--- a/2019/ADA_2019_EHD_Data_preparation.pptx
+++ b/2019/ADA_2019_EHD_Data_preparation.pptx
@@ -212,7 +212,7 @@
           <a:p>
             <a:fld id="{4F64840B-B5F2-4010-92E0-DF823BCEC855}" type="datetimeFigureOut">
               <a:rPr lang="de-CH" smtClean="0"/>
-              <a:t>15.09.2019</a:t>
+              <a:t>16.09.2019</a:t>
             </a:fld>
             <a:endParaRPr lang="de-CH"/>
           </a:p>
@@ -2257,7 +2257,7 @@
           <a:p>
             <a:fld id="{4A75865B-49D6-4DAF-8DC3-E71FFBB429ED}" type="datetimeFigureOut">
               <a:rPr lang="de-CH" smtClean="0"/>
-              <a:t>15.09.2019</a:t>
+              <a:t>16.09.2019</a:t>
             </a:fld>
             <a:endParaRPr lang="de-CH"/>
           </a:p>
@@ -2434,7 +2434,7 @@
           <a:p>
             <a:fld id="{4A75865B-49D6-4DAF-8DC3-E71FFBB429ED}" type="datetimeFigureOut">
               <a:rPr lang="de-CH" smtClean="0"/>
-              <a:t>15.09.2019</a:t>
+              <a:t>16.09.2019</a:t>
             </a:fld>
             <a:endParaRPr lang="de-CH"/>
           </a:p>
@@ -2621,7 +2621,7 @@
           <a:p>
             <a:fld id="{4A75865B-49D6-4DAF-8DC3-E71FFBB429ED}" type="datetimeFigureOut">
               <a:rPr lang="de-CH" smtClean="0"/>
-              <a:t>15.09.2019</a:t>
+              <a:t>16.09.2019</a:t>
             </a:fld>
             <a:endParaRPr lang="de-CH"/>
           </a:p>
@@ -2706,35 +2706,6 @@
           <a:chExt cx="0" cy="0"/>
         </a:xfrm>
       </p:grpSpPr>
-      <p:pic>
-        <p:nvPicPr>
-          <p:cNvPr id="4" name="Grafik 3"/>
-          <p:cNvPicPr>
-            <a:picLocks noChangeAspect="1"/>
-          </p:cNvPicPr>
-          <p:nvPr userDrawn="1"/>
-        </p:nvPicPr>
-        <p:blipFill rotWithShape="1">
-          <a:blip r:embed="rId2" cstate="print">
-            <a:extLst>
-              <a:ext uri="{28A0092B-C50C-407E-A947-70E740481C1C}">
-                <a14:useLocalDpi xmlns:a14="http://schemas.microsoft.com/office/drawing/2010/main" val="0"/>
-              </a:ext>
-            </a:extLst>
-          </a:blip>
-          <a:srcRect t="15214" b="10428"/>
-          <a:stretch/>
-        </p:blipFill>
-        <p:spPr>
-          <a:xfrm>
-            <a:off x="-340242" y="1"/>
-            <a:ext cx="12727172" cy="5806518"/>
-          </a:xfrm>
-          <a:prstGeom prst="rect">
-            <a:avLst/>
-          </a:prstGeom>
-        </p:spPr>
-      </p:pic>
       <p:sp>
         <p:nvSpPr>
           <p:cNvPr id="5" name="Rechteck 4"/>
@@ -3018,155 +2989,6 @@
           </a:p>
         </p:txBody>
       </p:sp>
-      <p:pic>
-        <p:nvPicPr>
-          <p:cNvPr id="2" name="Grafik 1"/>
-          <p:cNvPicPr>
-            <a:picLocks noChangeAspect="1"/>
-          </p:cNvPicPr>
-          <p:nvPr userDrawn="1"/>
-        </p:nvPicPr>
-        <p:blipFill>
-          <a:blip r:embed="rId3" cstate="print">
-            <a:extLst>
-              <a:ext uri="{28A0092B-C50C-407E-A947-70E740481C1C}">
-                <a14:useLocalDpi xmlns:a14="http://schemas.microsoft.com/office/drawing/2010/main" val="0"/>
-              </a:ext>
-            </a:extLst>
-          </a:blip>
-          <a:stretch>
-            <a:fillRect/>
-          </a:stretch>
-        </p:blipFill>
-        <p:spPr>
-          <a:xfrm>
-            <a:off x="5667995" y="5902142"/>
-            <a:ext cx="1255351" cy="911437"/>
-          </a:xfrm>
-          <a:prstGeom prst="rect">
-            <a:avLst/>
-          </a:prstGeom>
-        </p:spPr>
-      </p:pic>
-      <p:pic>
-        <p:nvPicPr>
-          <p:cNvPr id="3" name="Grafik 2"/>
-          <p:cNvPicPr>
-            <a:picLocks noChangeAspect="1"/>
-          </p:cNvPicPr>
-          <p:nvPr userDrawn="1"/>
-        </p:nvPicPr>
-        <p:blipFill>
-          <a:blip r:embed="rId4" cstate="print">
-            <a:extLst>
-              <a:ext uri="{28A0092B-C50C-407E-A947-70E740481C1C}">
-                <a14:useLocalDpi xmlns:a14="http://schemas.microsoft.com/office/drawing/2010/main" val="0"/>
-              </a:ext>
-            </a:extLst>
-          </a:blip>
-          <a:stretch>
-            <a:fillRect/>
-          </a:stretch>
-        </p:blipFill>
-        <p:spPr>
-          <a:xfrm>
-            <a:off x="9037773" y="5871904"/>
-            <a:ext cx="1440608" cy="967561"/>
-          </a:xfrm>
-          <a:prstGeom prst="rect">
-            <a:avLst/>
-          </a:prstGeom>
-        </p:spPr>
-      </p:pic>
-      <p:pic>
-        <p:nvPicPr>
-          <p:cNvPr id="8" name="Grafik 7"/>
-          <p:cNvPicPr>
-            <a:picLocks noChangeAspect="1"/>
-          </p:cNvPicPr>
-          <p:nvPr userDrawn="1"/>
-        </p:nvPicPr>
-        <p:blipFill>
-          <a:blip r:embed="rId5" cstate="print">
-            <a:extLst>
-              <a:ext uri="{28A0092B-C50C-407E-A947-70E740481C1C}">
-                <a14:useLocalDpi xmlns:a14="http://schemas.microsoft.com/office/drawing/2010/main" val="0"/>
-              </a:ext>
-            </a:extLst>
-          </a:blip>
-          <a:stretch>
-            <a:fillRect/>
-          </a:stretch>
-        </p:blipFill>
-        <p:spPr>
-          <a:xfrm>
-            <a:off x="3685181" y="5932195"/>
-            <a:ext cx="1722910" cy="846979"/>
-          </a:xfrm>
-          <a:prstGeom prst="rect">
-            <a:avLst/>
-          </a:prstGeom>
-        </p:spPr>
-      </p:pic>
-      <p:pic>
-        <p:nvPicPr>
-          <p:cNvPr id="9" name="Grafik 8"/>
-          <p:cNvPicPr>
-            <a:picLocks noChangeAspect="1"/>
-          </p:cNvPicPr>
-          <p:nvPr userDrawn="1"/>
-        </p:nvPicPr>
-        <p:blipFill>
-          <a:blip r:embed="rId6" cstate="print">
-            <a:extLst>
-              <a:ext uri="{28A0092B-C50C-407E-A947-70E740481C1C}">
-                <a14:useLocalDpi xmlns:a14="http://schemas.microsoft.com/office/drawing/2010/main" val="0"/>
-              </a:ext>
-            </a:extLst>
-          </a:blip>
-          <a:stretch>
-            <a:fillRect/>
-          </a:stretch>
-        </p:blipFill>
-        <p:spPr>
-          <a:xfrm>
-            <a:off x="7183250" y="5842935"/>
-            <a:ext cx="1595028" cy="897098"/>
-          </a:xfrm>
-          <a:prstGeom prst="rect">
-            <a:avLst/>
-          </a:prstGeom>
-        </p:spPr>
-      </p:pic>
-      <p:pic>
-        <p:nvPicPr>
-          <p:cNvPr id="11" name="Grafik 10"/>
-          <p:cNvPicPr>
-            <a:picLocks noChangeAspect="1"/>
-          </p:cNvPicPr>
-          <p:nvPr userDrawn="1"/>
-        </p:nvPicPr>
-        <p:blipFill rotWithShape="1">
-          <a:blip r:embed="rId7">
-            <a:extLst>
-              <a:ext uri="{28A0092B-C50C-407E-A947-70E740481C1C}">
-                <a14:useLocalDpi xmlns:a14="http://schemas.microsoft.com/office/drawing/2010/main" val="0"/>
-              </a:ext>
-            </a:extLst>
-          </a:blip>
-          <a:srcRect l="6950" t="29739" r="7300" b="24771"/>
-          <a:stretch/>
-        </p:blipFill>
-        <p:spPr>
-          <a:xfrm>
-            <a:off x="1230504" y="5944898"/>
-            <a:ext cx="2323064" cy="821572"/>
-          </a:xfrm>
-          <a:prstGeom prst="rect">
-            <a:avLst/>
-          </a:prstGeom>
-        </p:spPr>
-      </p:pic>
       <p:sp>
         <p:nvSpPr>
           <p:cNvPr id="10" name="Textplatzhalter 9"/>
@@ -3254,36 +3076,6 @@
           <a:chExt cx="0" cy="0"/>
         </a:xfrm>
       </p:grpSpPr>
-      <p:pic>
-        <p:nvPicPr>
-          <p:cNvPr id="6" name="Grafik 5"/>
-          <p:cNvPicPr>
-            <a:picLocks noChangeAspect="1"/>
-          </p:cNvPicPr>
-          <p:nvPr userDrawn="1"/>
-        </p:nvPicPr>
-        <p:blipFill>
-          <a:blip r:embed="rId2" cstate="print">
-            <a:extLst>
-              <a:ext uri="{28A0092B-C50C-407E-A947-70E740481C1C}">
-                <a14:useLocalDpi xmlns:a14="http://schemas.microsoft.com/office/drawing/2010/main" val="0"/>
-              </a:ext>
-            </a:extLst>
-          </a:blip>
-          <a:stretch>
-            <a:fillRect/>
-          </a:stretch>
-        </p:blipFill>
-        <p:spPr>
-          <a:xfrm>
-            <a:off x="-2243471" y="0"/>
-            <a:ext cx="15375699" cy="6858000"/>
-          </a:xfrm>
-          <a:prstGeom prst="rect">
-            <a:avLst/>
-          </a:prstGeom>
-        </p:spPr>
-      </p:pic>
       <p:sp>
         <p:nvSpPr>
           <p:cNvPr id="9" name="Titel 8"/>
@@ -3446,7 +3238,7 @@
           <a:p>
             <a:fld id="{4A75865B-49D6-4DAF-8DC3-E71FFBB429ED}" type="datetimeFigureOut">
               <a:rPr lang="de-CH" smtClean="0"/>
-              <a:t>15.09.2019</a:t>
+              <a:t>16.09.2019</a:t>
             </a:fld>
             <a:endParaRPr lang="de-CH"/>
           </a:p>
@@ -3494,65 +3286,6 @@
           </a:p>
         </p:txBody>
       </p:sp>
-      <p:pic>
-        <p:nvPicPr>
-          <p:cNvPr id="8" name="Grafik 7"/>
-          <p:cNvPicPr>
-            <a:picLocks noChangeAspect="1"/>
-          </p:cNvPicPr>
-          <p:nvPr userDrawn="1"/>
-        </p:nvPicPr>
-        <p:blipFill>
-          <a:blip r:embed="rId2">
-            <a:extLst>
-              <a:ext uri="{28A0092B-C50C-407E-A947-70E740481C1C}">
-                <a14:useLocalDpi xmlns:a14="http://schemas.microsoft.com/office/drawing/2010/main" val="0"/>
-              </a:ext>
-            </a:extLst>
-          </a:blip>
-          <a:stretch>
-            <a:fillRect/>
-          </a:stretch>
-        </p:blipFill>
-        <p:spPr>
-          <a:xfrm>
-            <a:off x="9233061" y="6086058"/>
-            <a:ext cx="1285618" cy="357358"/>
-          </a:xfrm>
-          <a:prstGeom prst="rect">
-            <a:avLst/>
-          </a:prstGeom>
-        </p:spPr>
-      </p:pic>
-      <p:pic>
-        <p:nvPicPr>
-          <p:cNvPr id="10" name="Grafik 9"/>
-          <p:cNvPicPr>
-            <a:picLocks noChangeAspect="1"/>
-          </p:cNvPicPr>
-          <p:nvPr userDrawn="1"/>
-        </p:nvPicPr>
-        <p:blipFill rotWithShape="1">
-          <a:blip r:embed="rId3" cstate="print">
-            <a:extLst>
-              <a:ext uri="{28A0092B-C50C-407E-A947-70E740481C1C}">
-                <a14:useLocalDpi xmlns:a14="http://schemas.microsoft.com/office/drawing/2010/main" val="0"/>
-              </a:ext>
-            </a:extLst>
-          </a:blip>
-          <a:srcRect l="1297" t="42155" r="1480" b="51130"/>
-          <a:stretch/>
-        </p:blipFill>
-        <p:spPr>
-          <a:xfrm>
-            <a:off x="-1" y="-10633"/>
-            <a:ext cx="12195545" cy="375758"/>
-          </a:xfrm>
-          <a:prstGeom prst="rect">
-            <a:avLst/>
-          </a:prstGeom>
-        </p:spPr>
-      </p:pic>
     </p:spTree>
     <p:extLst>
       <p:ext uri="{BB962C8B-B14F-4D97-AF65-F5344CB8AC3E}">
@@ -3758,7 +3491,7 @@
           <a:p>
             <a:fld id="{4A75865B-49D6-4DAF-8DC3-E71FFBB429ED}" type="datetimeFigureOut">
               <a:rPr lang="de-CH" smtClean="0"/>
-              <a:t>15.09.2019</a:t>
+              <a:t>16.09.2019</a:t>
             </a:fld>
             <a:endParaRPr lang="de-CH"/>
           </a:p>
@@ -3997,7 +3730,7 @@
           <a:p>
             <a:fld id="{4A75865B-49D6-4DAF-8DC3-E71FFBB429ED}" type="datetimeFigureOut">
               <a:rPr lang="de-CH" smtClean="0"/>
-              <a:t>15.09.2019</a:t>
+              <a:t>16.09.2019</a:t>
             </a:fld>
             <a:endParaRPr lang="de-CH"/>
           </a:p>
@@ -4045,65 +3778,6 @@
           </a:p>
         </p:txBody>
       </p:sp>
-      <p:pic>
-        <p:nvPicPr>
-          <p:cNvPr id="8" name="Grafik 7"/>
-          <p:cNvPicPr>
-            <a:picLocks noChangeAspect="1"/>
-          </p:cNvPicPr>
-          <p:nvPr userDrawn="1"/>
-        </p:nvPicPr>
-        <p:blipFill>
-          <a:blip r:embed="rId2">
-            <a:extLst>
-              <a:ext uri="{28A0092B-C50C-407E-A947-70E740481C1C}">
-                <a14:useLocalDpi xmlns:a14="http://schemas.microsoft.com/office/drawing/2010/main" val="0"/>
-              </a:ext>
-            </a:extLst>
-          </a:blip>
-          <a:stretch>
-            <a:fillRect/>
-          </a:stretch>
-        </p:blipFill>
-        <p:spPr>
-          <a:xfrm>
-            <a:off x="9233061" y="6086058"/>
-            <a:ext cx="1285618" cy="357358"/>
-          </a:xfrm>
-          <a:prstGeom prst="rect">
-            <a:avLst/>
-          </a:prstGeom>
-        </p:spPr>
-      </p:pic>
-      <p:pic>
-        <p:nvPicPr>
-          <p:cNvPr id="11" name="Grafik 10"/>
-          <p:cNvPicPr>
-            <a:picLocks noChangeAspect="1"/>
-          </p:cNvPicPr>
-          <p:nvPr userDrawn="1"/>
-        </p:nvPicPr>
-        <p:blipFill rotWithShape="1">
-          <a:blip r:embed="rId3" cstate="print">
-            <a:extLst>
-              <a:ext uri="{28A0092B-C50C-407E-A947-70E740481C1C}">
-                <a14:useLocalDpi xmlns:a14="http://schemas.microsoft.com/office/drawing/2010/main" val="0"/>
-              </a:ext>
-            </a:extLst>
-          </a:blip>
-          <a:srcRect l="1297" t="42155" r="1480" b="51130"/>
-          <a:stretch/>
-        </p:blipFill>
-        <p:spPr>
-          <a:xfrm>
-            <a:off x="-1" y="-10633"/>
-            <a:ext cx="12195545" cy="375758"/>
-          </a:xfrm>
-          <a:prstGeom prst="rect">
-            <a:avLst/>
-          </a:prstGeom>
-        </p:spPr>
-      </p:pic>
     </p:spTree>
     <p:extLst>
       <p:ext uri="{BB962C8B-B14F-4D97-AF65-F5344CB8AC3E}">
@@ -4430,7 +4104,7 @@
           <a:p>
             <a:fld id="{4A75865B-49D6-4DAF-8DC3-E71FFBB429ED}" type="datetimeFigureOut">
               <a:rPr lang="de-CH" smtClean="0"/>
-              <a:t>15.09.2019</a:t>
+              <a:t>16.09.2019</a:t>
             </a:fld>
             <a:endParaRPr lang="de-CH"/>
           </a:p>
@@ -4548,7 +4222,7 @@
           <a:p>
             <a:fld id="{4A75865B-49D6-4DAF-8DC3-E71FFBB429ED}" type="datetimeFigureOut">
               <a:rPr lang="de-CH" smtClean="0"/>
-              <a:t>15.09.2019</a:t>
+              <a:t>16.09.2019</a:t>
             </a:fld>
             <a:endParaRPr lang="de-CH"/>
           </a:p>
@@ -4650,7 +4324,7 @@
           <a:p>
             <a:fld id="{4A75865B-49D6-4DAF-8DC3-E71FFBB429ED}" type="datetimeFigureOut">
               <a:rPr lang="de-CH" smtClean="0"/>
-              <a:t>15.09.2019</a:t>
+              <a:t>16.09.2019</a:t>
             </a:fld>
             <a:endParaRPr lang="de-CH"/>
           </a:p>
@@ -4934,7 +4608,7 @@
           <a:p>
             <a:fld id="{4A75865B-49D6-4DAF-8DC3-E71FFBB429ED}" type="datetimeFigureOut">
               <a:rPr lang="de-CH" smtClean="0"/>
-              <a:t>15.09.2019</a:t>
+              <a:t>16.09.2019</a:t>
             </a:fld>
             <a:endParaRPr lang="de-CH"/>
           </a:p>
@@ -5194,7 +4868,7 @@
           <a:p>
             <a:fld id="{4A75865B-49D6-4DAF-8DC3-E71FFBB429ED}" type="datetimeFigureOut">
               <a:rPr lang="de-CH" smtClean="0"/>
-              <a:t>15.09.2019</a:t>
+              <a:t>16.09.2019</a:t>
             </a:fld>
             <a:endParaRPr lang="de-CH"/>
           </a:p>
@@ -5414,7 +5088,7 @@
           <a:p>
             <a:fld id="{4A75865B-49D6-4DAF-8DC3-E71FFBB429ED}" type="datetimeFigureOut">
               <a:rPr lang="de-CH" smtClean="0"/>
-              <a:t>15.09.2019</a:t>
+              <a:t>16.09.2019</a:t>
             </a:fld>
             <a:endParaRPr lang="de-CH"/>
           </a:p>
@@ -5498,36 +5172,6 @@
           </a:p>
         </p:txBody>
       </p:sp>
-      <p:pic>
-        <p:nvPicPr>
-          <p:cNvPr id="7" name="Image 12"/>
-          <p:cNvPicPr>
-            <a:picLocks noChangeAspect="1"/>
-          </p:cNvPicPr>
-          <p:nvPr userDrawn="1"/>
-        </p:nvPicPr>
-        <p:blipFill>
-          <a:blip r:embed="rId15" cstate="print">
-            <a:extLst>
-              <a:ext uri="{28A0092B-C50C-407E-A947-70E740481C1C}">
-                <a14:useLocalDpi xmlns:a14="http://schemas.microsoft.com/office/drawing/2010/main" val="0"/>
-              </a:ext>
-            </a:extLst>
-          </a:blip>
-          <a:stretch>
-            <a:fillRect/>
-          </a:stretch>
-        </p:blipFill>
-        <p:spPr>
-          <a:xfrm>
-            <a:off x="10817436" y="5971485"/>
-            <a:ext cx="536364" cy="680830"/>
-          </a:xfrm>
-          <a:prstGeom prst="rect">
-            <a:avLst/>
-          </a:prstGeom>
-        </p:spPr>
-      </p:pic>
     </p:spTree>
     <p:extLst>
       <p:ext uri="{BB962C8B-B14F-4D97-AF65-F5344CB8AC3E}">
@@ -5888,18 +5532,32 @@
                 <a:latin typeface="Segoe UI Semibold" panose="020B0702040204020203" pitchFamily="34" charset="0"/>
                 <a:cs typeface="Segoe UI Semibold" panose="020B0702040204020203" pitchFamily="34" charset="0"/>
               </a:rPr>
-              <a:t>Preparing data for adherence calculations </a:t>
+              <a:t>Preparing </a:t>
+            </a:r>
+            <a:r>
+              <a:rPr lang="en-US" sz="4800" smtClean="0">
+                <a:latin typeface="Segoe UI Semibold" panose="020B0702040204020203" pitchFamily="34" charset="0"/>
+                <a:cs typeface="Segoe UI Semibold" panose="020B0702040204020203" pitchFamily="34" charset="0"/>
+              </a:rPr>
+              <a:t>electronic healthcare data </a:t>
+            </a:r>
+            <a:r>
+              <a:rPr lang="en-US" sz="4800" dirty="0">
+                <a:latin typeface="Segoe UI Semibold" panose="020B0702040204020203" pitchFamily="34" charset="0"/>
+                <a:cs typeface="Segoe UI Semibold" panose="020B0702040204020203" pitchFamily="34" charset="0"/>
+              </a:rPr>
+              <a:t>for adherence </a:t>
             </a:r>
             <a:r>
               <a:rPr lang="en-US" sz="4800" dirty="0" smtClean="0">
                 <a:latin typeface="Segoe UI Semibold" panose="020B0702040204020203" pitchFamily="34" charset="0"/>
                 <a:cs typeface="Segoe UI Semibold" panose="020B0702040204020203" pitchFamily="34" charset="0"/>
               </a:rPr>
-              <a:t>with</a:t>
+              <a:t>calculations</a:t>
             </a:r>
             <a:r>
               <a:rPr lang="en-US" sz="4800" b="1" dirty="0" smtClean="0"/>
-              <a:t>             . </a:t>
+              <a:t> </a:t>
             </a:r>
             <a:endParaRPr lang="fr-FR" sz="4267" dirty="0"/>
           </a:p>
@@ -5925,160 +5583,13 @@
             </a:pPr>
             <a:r>
               <a:rPr lang="fr-FR" dirty="0" smtClean="0"/>
-              <a:t>Samuel Allemann, Alexandra Dima &amp; Dan Dediu</a:t>
+              <a:t>Samuel Allemann, Alexandra </a:t>
+            </a:r>
+            <a:r>
+              <a:rPr lang="fr-FR" dirty="0" smtClean="0"/>
+              <a:t>Dima</a:t>
             </a:r>
             <a:endParaRPr lang="fr-FR" dirty="0"/>
-          </a:p>
-        </p:txBody>
-      </p:sp>
-      <p:sp>
-        <p:nvSpPr>
-          <p:cNvPr id="9" name="TextBox 6"/>
-          <p:cNvSpPr txBox="1"/>
-          <p:nvPr/>
-        </p:nvSpPr>
-        <p:spPr>
-          <a:xfrm>
-            <a:off x="2447594" y="4366526"/>
-            <a:ext cx="7296812" cy="379656"/>
-          </a:xfrm>
-          <a:prstGeom prst="rect">
-            <a:avLst/>
-          </a:prstGeom>
-          <a:noFill/>
-        </p:spPr>
-        <p:txBody>
-          <a:bodyPr wrap="square" rtlCol="0">
-            <a:spAutoFit/>
-          </a:bodyPr>
-          <a:lstStyle/>
-          <a:p>
-            <a:pPr algn="ctr"/>
-            <a:r>
-              <a:rPr lang="fr-FR" sz="1867" i="1" dirty="0">
-                <a:solidFill>
-                  <a:srgbClr val="403F40"/>
-                </a:solidFill>
-              </a:rPr>
-              <a:t> Laboratoire Dynamique Du Langage (DDL), Université Lumière Lyon 2</a:t>
-            </a:r>
-          </a:p>
-        </p:txBody>
-      </p:sp>
-      <p:pic>
-        <p:nvPicPr>
-          <p:cNvPr id="6" name="Grafik 5"/>
-          <p:cNvPicPr>
-            <a:picLocks noChangeAspect="1"/>
-          </p:cNvPicPr>
-          <p:nvPr/>
-        </p:nvPicPr>
-        <p:blipFill>
-          <a:blip r:embed="rId3">
-            <a:extLst>
-              <a:ext uri="{28A0092B-C50C-407E-A947-70E740481C1C}">
-                <a14:useLocalDpi xmlns:a14="http://schemas.microsoft.com/office/drawing/2010/main" val="0"/>
-              </a:ext>
-            </a:extLst>
-          </a:blip>
-          <a:stretch>
-            <a:fillRect/>
-          </a:stretch>
-        </p:blipFill>
-        <p:spPr>
-          <a:xfrm>
-            <a:off x="7275432" y="2462244"/>
-            <a:ext cx="1943654" cy="540270"/>
-          </a:xfrm>
-          <a:prstGeom prst="rect">
-            <a:avLst/>
-          </a:prstGeom>
-        </p:spPr>
-      </p:pic>
-      <p:sp>
-        <p:nvSpPr>
-          <p:cNvPr id="8" name="TextBox 6"/>
-          <p:cNvSpPr txBox="1"/>
-          <p:nvPr/>
-        </p:nvSpPr>
-        <p:spPr>
-          <a:xfrm>
-            <a:off x="2447594" y="4016086"/>
-            <a:ext cx="7296812" cy="379656"/>
-          </a:xfrm>
-          <a:prstGeom prst="rect">
-            <a:avLst/>
-          </a:prstGeom>
-          <a:noFill/>
-        </p:spPr>
-        <p:txBody>
-          <a:bodyPr wrap="square" rtlCol="0">
-            <a:spAutoFit/>
-          </a:bodyPr>
-          <a:lstStyle/>
-          <a:p>
-            <a:pPr algn="ctr"/>
-            <a:r>
-              <a:rPr lang="fr-FR" sz="1867" i="1" dirty="0" smtClean="0">
-                <a:solidFill>
-                  <a:srgbClr val="403F40"/>
-                </a:solidFill>
-              </a:rPr>
-              <a:t>HESPER – </a:t>
-            </a:r>
-            <a:r>
-              <a:rPr lang="fr-FR" sz="1867" i="1" dirty="0" err="1" smtClean="0">
-                <a:solidFill>
-                  <a:srgbClr val="403F40"/>
-                </a:solidFill>
-              </a:rPr>
-              <a:t>Health</a:t>
-            </a:r>
-            <a:r>
-              <a:rPr lang="fr-FR" sz="1867" i="1" dirty="0" smtClean="0">
-                <a:solidFill>
-                  <a:srgbClr val="403F40"/>
-                </a:solidFill>
-              </a:rPr>
-              <a:t> Services and Performance </a:t>
-            </a:r>
-            <a:r>
-              <a:rPr lang="fr-FR" sz="1867" i="1" dirty="0" err="1" smtClean="0">
-                <a:solidFill>
-                  <a:srgbClr val="403F40"/>
-                </a:solidFill>
-              </a:rPr>
-              <a:t>Research</a:t>
-            </a:r>
-            <a:r>
-              <a:rPr lang="fr-FR" sz="1867" i="1" dirty="0" smtClean="0">
-                <a:solidFill>
-                  <a:srgbClr val="403F40"/>
-                </a:solidFill>
-              </a:rPr>
-              <a:t> </a:t>
-            </a:r>
-            <a:r>
-              <a:rPr lang="fr-FR" sz="1867" i="1" dirty="0" err="1" smtClean="0">
-                <a:solidFill>
-                  <a:srgbClr val="403F40"/>
-                </a:solidFill>
-              </a:rPr>
-              <a:t>Lab</a:t>
-            </a:r>
-            <a:r>
-              <a:rPr lang="fr-FR" sz="1867" i="1" dirty="0" smtClean="0">
-                <a:solidFill>
-                  <a:srgbClr val="403F40"/>
-                </a:solidFill>
-              </a:rPr>
-              <a:t>, UCBL Lyon</a:t>
-            </a:r>
-            <a:endParaRPr lang="fr-FR" sz="1867" i="1" dirty="0">
-              <a:solidFill>
-                <a:srgbClr val="403F40"/>
-              </a:solidFill>
-            </a:endParaRPr>
           </a:p>
         </p:txBody>
       </p:sp>
